--- a/week_03/day_4/code_of_conduct_in_datascience.pptx
+++ b/week_03/day_4/code_of_conduct_in_datascience.pptx
@@ -934,42 +934,6 @@
         </a:p>
       </dgm:t>
     </dgm:pt>
-    <dgm:pt modelId="{E21D56DD-4CE2-42B3-AAEE-044ACFEBCD46}">
-      <dgm:prSet/>
-      <dgm:spPr/>
-      <dgm:t>
-        <a:bodyPr/>
-        <a:lstStyle/>
-        <a:p>
-          <a:r>
-            <a:rPr lang="en-US" dirty="0"/>
-            <a:t>More public trust in the data industry could be generated by establishing a framework defining competency, good practice and what types of data transactions should be adhering to them</a:t>
-          </a:r>
-        </a:p>
-      </dgm:t>
-    </dgm:pt>
-    <dgm:pt modelId="{2C35B0A0-E050-4386-8DD1-51106CDB6293}" type="parTrans" cxnId="{F1451DB2-98E2-482A-8E8E-DE09154AE8CB}">
-      <dgm:prSet/>
-      <dgm:spPr/>
-      <dgm:t>
-        <a:bodyPr/>
-        <a:lstStyle/>
-        <a:p>
-          <a:endParaRPr lang="en-US"/>
-        </a:p>
-      </dgm:t>
-    </dgm:pt>
-    <dgm:pt modelId="{90C92025-47C2-4ABC-A6F7-515C653FAFDD}" type="sibTrans" cxnId="{F1451DB2-98E2-482A-8E8E-DE09154AE8CB}">
-      <dgm:prSet/>
-      <dgm:spPr/>
-      <dgm:t>
-        <a:bodyPr/>
-        <a:lstStyle/>
-        <a:p>
-          <a:endParaRPr lang="en-US"/>
-        </a:p>
-      </dgm:t>
-    </dgm:pt>
     <dgm:pt modelId="{07663DE7-FE82-4134-A0BC-FA922B13F01E}">
       <dgm:prSet/>
       <dgm:spPr/>
@@ -979,7 +943,7 @@
         <a:p>
           <a:r>
             <a:rPr lang="en-US" dirty="0"/>
-            <a:t>Ultimately the framework should exist to protect individuals and organisations from inappropriate use of their data by ensuring that it is handled correctly by competent people</a:t>
+            <a:t>Any framework should exist to protect individuals and organisations from misuse of their data by ensuring that it is handled correctly by competent people, but without being overly prohibitive and stifling innovation</a:t>
           </a:r>
         </a:p>
       </dgm:t>
@@ -996,6 +960,42 @@
       </dgm:t>
     </dgm:pt>
     <dgm:pt modelId="{6A31EDA0-4E8C-416E-A4C4-C7EDBB492DBA}" type="sibTrans" cxnId="{4A57F607-5D7E-4914-B54C-F34928DC9022}">
+      <dgm:prSet/>
+      <dgm:spPr/>
+      <dgm:t>
+        <a:bodyPr/>
+        <a:lstStyle/>
+        <a:p>
+          <a:endParaRPr lang="en-US"/>
+        </a:p>
+      </dgm:t>
+    </dgm:pt>
+    <dgm:pt modelId="{E21D56DD-4CE2-42B3-AAEE-044ACFEBCD46}">
+      <dgm:prSet/>
+      <dgm:spPr/>
+      <dgm:t>
+        <a:bodyPr/>
+        <a:lstStyle/>
+        <a:p>
+          <a:r>
+            <a:rPr lang="en-US" dirty="0"/>
+            <a:t>More trust in the data industry could be generated by establishing a framework defining competency, good practice and in what contexts data transactions should be complying with them</a:t>
+          </a:r>
+        </a:p>
+      </dgm:t>
+    </dgm:pt>
+    <dgm:pt modelId="{90C92025-47C2-4ABC-A6F7-515C653FAFDD}" type="sibTrans" cxnId="{F1451DB2-98E2-482A-8E8E-DE09154AE8CB}">
+      <dgm:prSet/>
+      <dgm:spPr/>
+      <dgm:t>
+        <a:bodyPr/>
+        <a:lstStyle/>
+        <a:p>
+          <a:endParaRPr lang="en-US"/>
+        </a:p>
+      </dgm:t>
+    </dgm:pt>
+    <dgm:pt modelId="{2C35B0A0-E050-4386-8DD1-51106CDB6293}" type="parTrans" cxnId="{F1451DB2-98E2-482A-8E8E-DE09154AE8CB}">
       <dgm:prSet/>
       <dgm:spPr/>
       <dgm:t>
@@ -1186,12 +1186,12 @@
         <a:fontRef idx="minor"/>
       </dsp:style>
       <dsp:txBody>
-        <a:bodyPr spcFirstLastPara="0" vert="horz" wrap="square" lIns="95250" tIns="95250" rIns="95250" bIns="95250" numCol="1" spcCol="1270" anchor="t" anchorCtr="0">
+        <a:bodyPr spcFirstLastPara="0" vert="horz" wrap="square" lIns="87630" tIns="87630" rIns="87630" bIns="87630" numCol="1" spcCol="1270" anchor="t" anchorCtr="0">
           <a:noAutofit/>
         </a:bodyPr>
         <a:lstStyle/>
         <a:p>
-          <a:pPr marL="0" lvl="0" indent="0" algn="l" defTabSz="1111250">
+          <a:pPr marL="0" lvl="0" indent="0" algn="l" defTabSz="1022350">
             <a:lnSpc>
               <a:spcPct val="90000"/>
             </a:lnSpc>
@@ -1204,7 +1204,7 @@
             <a:buNone/>
           </a:pPr>
           <a:r>
-            <a:rPr lang="en-US" sz="2500" kern="1200" dirty="0"/>
+            <a:rPr lang="en-US" sz="2300" kern="1200" dirty="0"/>
             <a:t>Codes of Conduct in Data Science have been left to individual organisations or national associations to implement and compliance is largely voluntary</a:t>
           </a:r>
         </a:p>
@@ -1296,12 +1296,12 @@
         <a:fontRef idx="minor"/>
       </dsp:style>
       <dsp:txBody>
-        <a:bodyPr spcFirstLastPara="0" vert="horz" wrap="square" lIns="95250" tIns="95250" rIns="95250" bIns="95250" numCol="1" spcCol="1270" anchor="t" anchorCtr="0">
+        <a:bodyPr spcFirstLastPara="0" vert="horz" wrap="square" lIns="87630" tIns="87630" rIns="87630" bIns="87630" numCol="1" spcCol="1270" anchor="t" anchorCtr="0">
           <a:noAutofit/>
         </a:bodyPr>
         <a:lstStyle/>
         <a:p>
-          <a:pPr marL="0" lvl="0" indent="0" algn="l" defTabSz="1111250">
+          <a:pPr marL="0" lvl="0" indent="0" algn="l" defTabSz="1022350">
             <a:lnSpc>
               <a:spcPct val="90000"/>
             </a:lnSpc>
@@ -1314,8 +1314,8 @@
             <a:buNone/>
           </a:pPr>
           <a:r>
-            <a:rPr lang="en-US" sz="2500" kern="1200" dirty="0"/>
-            <a:t>More public trust in the data industry could be generated by establishing a framework defining competency, good practice and what types of data transactions should be adhering to them</a:t>
+            <a:rPr lang="en-US" sz="2300" kern="1200" dirty="0"/>
+            <a:t>More trust in the data industry could be generated by establishing a framework defining competency, good practice and in what contexts data transactions should be complying with them</a:t>
           </a:r>
         </a:p>
       </dsp:txBody>
@@ -1406,12 +1406,12 @@
         <a:fontRef idx="minor"/>
       </dsp:style>
       <dsp:txBody>
-        <a:bodyPr spcFirstLastPara="0" vert="horz" wrap="square" lIns="95250" tIns="95250" rIns="95250" bIns="95250" numCol="1" spcCol="1270" anchor="t" anchorCtr="0">
+        <a:bodyPr spcFirstLastPara="0" vert="horz" wrap="square" lIns="87630" tIns="87630" rIns="87630" bIns="87630" numCol="1" spcCol="1270" anchor="t" anchorCtr="0">
           <a:noAutofit/>
         </a:bodyPr>
         <a:lstStyle/>
         <a:p>
-          <a:pPr marL="0" lvl="0" indent="0" algn="l" defTabSz="1111250">
+          <a:pPr marL="0" lvl="0" indent="0" algn="l" defTabSz="1022350">
             <a:lnSpc>
               <a:spcPct val="90000"/>
             </a:lnSpc>
@@ -1424,8 +1424,8 @@
             <a:buNone/>
           </a:pPr>
           <a:r>
-            <a:rPr lang="en-US" sz="2500" kern="1200" dirty="0"/>
-            <a:t>Ultimately the framework should exist to protect individuals and organisations from inappropriate use of their data by ensuring that it is handled correctly by competent people</a:t>
+            <a:rPr lang="en-US" sz="2300" kern="1200" dirty="0"/>
+            <a:t>Any framework should exist to protect individuals and organisations from misuse of their data by ensuring that it is handled correctly by competent people, but without being overly prohibitive and stifling innovation</a:t>
           </a:r>
         </a:p>
       </dsp:txBody>
@@ -3032,7 +3032,7 @@
           <a:p>
             <a:fld id="{C17F2C1D-F243-42AB-ADF2-E7CB4E04900E}" type="datetimeFigureOut">
               <a:rPr lang="en-US" smtClean="0"/>
-              <a:t>3/24/2022</a:t>
+              <a:t>3/25/2022</a:t>
             </a:fld>
             <a:endParaRPr lang="en-US"/>
           </a:p>
@@ -3209,7 +3209,7 @@
           <a:p>
             <a:fld id="{020CE34E-5667-4A32-A6BA-10C7A552BC63}" type="datetimeFigureOut">
               <a:rPr lang="en-US" smtClean="0"/>
-              <a:t>3/24/2022</a:t>
+              <a:t>3/25/2022</a:t>
             </a:fld>
             <a:endParaRPr lang="en-US"/>
           </a:p>
@@ -20230,13 +20230,13 @@
             <p:ph sz="quarter" idx="15"/>
             <p:extLst>
               <p:ext uri="{D42A27DB-BD31-4B8C-83A1-F6EECF244321}">
-                <p14:modId xmlns:p14="http://schemas.microsoft.com/office/powerpoint/2010/main" val="635437343"/>
+                <p14:modId xmlns:p14="http://schemas.microsoft.com/office/powerpoint/2010/main" val="2960424401"/>
               </p:ext>
             </p:extLst>
           </p:nvPr>
         </p:nvGraphicFramePr>
         <p:xfrm>
-          <a:off x="5330110" y="1141933"/>
+          <a:off x="5330110" y="1067289"/>
           <a:ext cx="6311028" cy="5210930"/>
         </p:xfrm>
         <a:graphic>
@@ -21370,15 +21370,6 @@
 </file>
 
 <file path=customXml/item2.xml><?xml version="1.0" encoding="utf-8"?>
-<?mso-contentType ?>
-<FormTemplates xmlns="http://schemas.microsoft.com/sharepoint/v3/contenttype/forms">
-  <Display>DocumentLibraryForm</Display>
-  <Edit>DocumentLibraryForm</Edit>
-  <New>DocumentLibraryForm</New>
-</FormTemplates>
-</file>
-
-<file path=customXml/item3.xml><?xml version="1.0" encoding="utf-8"?>
 <ct:contentTypeSchema xmlns:ct="http://schemas.microsoft.com/office/2006/metadata/contentType" xmlns:ma="http://schemas.microsoft.com/office/2006/metadata/properties/metaAttributes" ct:_="" ma:_="" ma:contentTypeName="Document" ma:contentTypeID="0x01010079F111ED35F8CC479449609E8A0923A6" ma:contentTypeVersion="18" ma:contentTypeDescription="Create a new document." ma:contentTypeScope="" ma:versionID="22a266b9fa9a230c5a512669d8b298c3">
   <xsd:schema xmlns:xsd="http://www.w3.org/2001/XMLSchema" xmlns:xs="http://www.w3.org/2001/XMLSchema" xmlns:p="http://schemas.microsoft.com/office/2006/metadata/properties" xmlns:ns1="http://schemas.microsoft.com/sharepoint/v3" xmlns:ns2="71af3243-3dd4-4a8d-8c0d-dd76da1f02a5" xmlns:ns3="16c05727-aa75-4e4a-9b5f-8a80a1165891" xmlns:ns4="230e9df3-be65-4c73-a93b-d1236ebd677e" targetNamespace="http://schemas.microsoft.com/office/2006/metadata/properties" ma:root="true" ma:fieldsID="eddc33fff6b14141ee5c74a0d29ea6a1" ns1:_="" ns2:_="" ns3:_="" ns4:_="">
     <xsd:import namespace="http://schemas.microsoft.com/sharepoint/v3"/>
@@ -21654,34 +21645,35 @@
 </ct:contentTypeSchema>
 </file>
 
+<file path=customXml/item3.xml><?xml version="1.0" encoding="utf-8"?>
+<?mso-contentType ?>
+<FormTemplates xmlns="http://schemas.microsoft.com/sharepoint/v3/contenttype/forms">
+  <Display>DocumentLibraryForm</Display>
+  <Edit>DocumentLibraryForm</Edit>
+  <New>DocumentLibraryForm</New>
+</FormTemplates>
+</file>
+
 <file path=customXml/itemProps1.xml><?xml version="1.0" encoding="utf-8"?>
 <ds:datastoreItem xmlns:ds="http://schemas.openxmlformats.org/officeDocument/2006/customXml" ds:itemID="{50811A92-D464-4AC4-A396-BA73B10CEEAC}">
   <ds:schemaRefs>
-    <ds:schemaRef ds:uri="71af3243-3dd4-4a8d-8c0d-dd76da1f02a5"/>
+    <ds:schemaRef ds:uri="http://www.w3.org/XML/1998/namespace"/>
+    <ds:schemaRef ds:uri="http://purl.org/dc/dcmitype/"/>
+    <ds:schemaRef ds:uri="http://schemas.microsoft.com/office/infopath/2007/PartnerControls"/>
     <ds:schemaRef ds:uri="http://schemas.microsoft.com/sharepoint/v3"/>
-    <ds:schemaRef ds:uri="http://schemas.microsoft.com/office/infopath/2007/PartnerControls"/>
-    <ds:schemaRef ds:uri="http://purl.org/dc/elements/1.1/"/>
     <ds:schemaRef ds:uri="http://schemas.microsoft.com/office/2006/documentManagement/types"/>
+    <ds:schemaRef ds:uri="http://schemas.openxmlformats.org/package/2006/metadata/core-properties"/>
+    <ds:schemaRef ds:uri="http://purl.org/dc/terms/"/>
     <ds:schemaRef ds:uri="230e9df3-be65-4c73-a93b-d1236ebd677e"/>
     <ds:schemaRef ds:uri="http://schemas.microsoft.com/office/2006/metadata/properties"/>
-    <ds:schemaRef ds:uri="http://purl.org/dc/terms/"/>
-    <ds:schemaRef ds:uri="http://www.w3.org/XML/1998/namespace"/>
-    <ds:schemaRef ds:uri="http://purl.org/dc/dcmitype/"/>
-    <ds:schemaRef ds:uri="http://schemas.openxmlformats.org/package/2006/metadata/core-properties"/>
     <ds:schemaRef ds:uri="16c05727-aa75-4e4a-9b5f-8a80a1165891"/>
+    <ds:schemaRef ds:uri="71af3243-3dd4-4a8d-8c0d-dd76da1f02a5"/>
+    <ds:schemaRef ds:uri="http://purl.org/dc/elements/1.1/"/>
   </ds:schemaRefs>
 </ds:datastoreItem>
 </file>
 
 <file path=customXml/itemProps2.xml><?xml version="1.0" encoding="utf-8"?>
-<ds:datastoreItem xmlns:ds="http://schemas.openxmlformats.org/officeDocument/2006/customXml" ds:itemID="{904751AB-E840-446F-8D49-E697067EC887}">
-  <ds:schemaRefs>
-    <ds:schemaRef ds:uri="http://schemas.microsoft.com/sharepoint/v3/contenttype/forms"/>
-  </ds:schemaRefs>
-</ds:datastoreItem>
-</file>
-
-<file path=customXml/itemProps3.xml><?xml version="1.0" encoding="utf-8"?>
 <ds:datastoreItem xmlns:ds="http://schemas.openxmlformats.org/officeDocument/2006/customXml" ds:itemID="{DE4876F9-7AE1-498D-B8FE-1E3AD703D2AF}">
   <ds:schemaRefs>
     <ds:schemaRef ds:uri="http://schemas.microsoft.com/office/2006/metadata/contentType"/>
@@ -21702,6 +21694,14 @@
 </ds:datastoreItem>
 </file>
 
+<file path=customXml/itemProps3.xml><?xml version="1.0" encoding="utf-8"?>
+<ds:datastoreItem xmlns:ds="http://schemas.openxmlformats.org/officeDocument/2006/customXml" ds:itemID="{904751AB-E840-446F-8D49-E697067EC887}">
+  <ds:schemaRefs>
+    <ds:schemaRef ds:uri="http://schemas.microsoft.com/sharepoint/v3/contenttype/forms"/>
+  </ds:schemaRefs>
+</ds:datastoreItem>
+</file>
+
 <file path=docMetadata/LabelInfo.xml><?xml version="1.0" encoding="utf-8"?>
 <clbl:labelList xmlns:clbl="http://schemas.microsoft.com/office/2020/mipLabelMetadata">
   <clbl:label id="{f42aa342-8706-4288-bd11-ebb85995028c}" enabled="1" method="Standard" siteId="{72f988bf-86f1-41af-91ab-2d7cd011db47}" contentBits="0" removed="0"/>

--- a/week_03/day_4/code_of_conduct_in_datascience.pptx
+++ b/week_03/day_4/code_of_conduct_in_datascience.pptx
@@ -5,18 +5,19 @@
     <p:sldMasterId id="2147483684" r:id="rId4"/>
   </p:sldMasterIdLst>
   <p:notesMasterIdLst>
-    <p:notesMasterId r:id="rId11"/>
+    <p:notesMasterId r:id="rId12"/>
   </p:notesMasterIdLst>
   <p:handoutMasterIdLst>
-    <p:handoutMasterId r:id="rId12"/>
+    <p:handoutMasterId r:id="rId13"/>
   </p:handoutMasterIdLst>
   <p:sldIdLst>
     <p:sldId id="257" r:id="rId5"/>
     <p:sldId id="317" r:id="rId6"/>
-    <p:sldId id="279" r:id="rId7"/>
-    <p:sldId id="396" r:id="rId8"/>
-    <p:sldId id="395" r:id="rId9"/>
-    <p:sldId id="321" r:id="rId10"/>
+    <p:sldId id="397" r:id="rId7"/>
+    <p:sldId id="279" r:id="rId8"/>
+    <p:sldId id="396" r:id="rId9"/>
+    <p:sldId id="395" r:id="rId10"/>
+    <p:sldId id="321" r:id="rId11"/>
   </p:sldIdLst>
   <p:sldSz cx="12192000" cy="6858000"/>
   <p:notesSz cx="6889750" cy="10018713"/>
@@ -3709,7 +3710,7 @@
           <a:p>
             <a:fld id="{1983A999-5E0E-42CA-8400-604AE921FF7C}" type="slidenum">
               <a:rPr lang="en-US" smtClean="0"/>
-              <a:t>6</a:t>
+              <a:t>7</a:t>
             </a:fld>
             <a:endParaRPr lang="en-US"/>
           </a:p>
@@ -17123,6 +17124,211 @@
 <file path=ppt/slides/slide3.xml><?xml version="1.0" encoding="utf-8"?>
 <p:sld xmlns:a="http://schemas.openxmlformats.org/drawingml/2006/main" xmlns:r="http://schemas.openxmlformats.org/officeDocument/2006/relationships" xmlns:p="http://schemas.openxmlformats.org/presentationml/2006/main">
   <p:cSld>
+    <p:spTree>
+      <p:nvGrpSpPr>
+        <p:cNvPr id="1" name=""/>
+        <p:cNvGrpSpPr/>
+        <p:nvPr/>
+      </p:nvGrpSpPr>
+      <p:grpSpPr>
+        <a:xfrm>
+          <a:off x="0" y="0"/>
+          <a:ext cx="0" cy="0"/>
+          <a:chOff x="0" y="0"/>
+          <a:chExt cx="0" cy="0"/>
+        </a:xfrm>
+      </p:grpSpPr>
+      <p:sp>
+        <p:nvSpPr>
+          <p:cNvPr id="3" name="Date Placeholder 2">
+            <a:extLst>
+              <a:ext uri="{FF2B5EF4-FFF2-40B4-BE49-F238E27FC236}">
+                <a16:creationId xmlns:a16="http://schemas.microsoft.com/office/drawing/2014/main" id="{CC51789D-B137-4CA4-9A06-7DEA6298BDB4}"/>
+              </a:ext>
+            </a:extLst>
+          </p:cNvPr>
+          <p:cNvSpPr>
+            <a:spLocks noGrp="1"/>
+          </p:cNvSpPr>
+          <p:nvPr>
+            <p:ph type="dt" sz="half" idx="10"/>
+          </p:nvPr>
+        </p:nvSpPr>
+        <p:spPr/>
+        <p:txBody>
+          <a:bodyPr/>
+          <a:lstStyle/>
+          <a:p>
+            <a:r>
+              <a:rPr lang="en-US"/>
+              <a:t>Tuesday, February 2, 20XX</a:t>
+            </a:r>
+          </a:p>
+        </p:txBody>
+      </p:sp>
+      <p:sp>
+        <p:nvSpPr>
+          <p:cNvPr id="4" name="Footer Placeholder 3">
+            <a:extLst>
+              <a:ext uri="{FF2B5EF4-FFF2-40B4-BE49-F238E27FC236}">
+                <a16:creationId xmlns:a16="http://schemas.microsoft.com/office/drawing/2014/main" id="{A49EDD2F-66B1-4AF0-88DD-FAC92D950D4D}"/>
+              </a:ext>
+            </a:extLst>
+          </p:cNvPr>
+          <p:cNvSpPr>
+            <a:spLocks noGrp="1"/>
+          </p:cNvSpPr>
+          <p:nvPr>
+            <p:ph type="ftr" sz="quarter" idx="11"/>
+          </p:nvPr>
+        </p:nvSpPr>
+        <p:spPr/>
+        <p:txBody>
+          <a:bodyPr/>
+          <a:lstStyle/>
+          <a:p>
+            <a:r>
+              <a:rPr lang="en-US"/>
+              <a:t>Sample Footer Text</a:t>
+            </a:r>
+          </a:p>
+        </p:txBody>
+      </p:sp>
+      <p:sp>
+        <p:nvSpPr>
+          <p:cNvPr id="5" name="Slide Number Placeholder 4">
+            <a:extLst>
+              <a:ext uri="{FF2B5EF4-FFF2-40B4-BE49-F238E27FC236}">
+                <a16:creationId xmlns:a16="http://schemas.microsoft.com/office/drawing/2014/main" id="{D8537A00-168A-48F2-9B10-3866C5EBADC2}"/>
+              </a:ext>
+            </a:extLst>
+          </p:cNvPr>
+          <p:cNvSpPr>
+            <a:spLocks noGrp="1"/>
+          </p:cNvSpPr>
+          <p:nvPr>
+            <p:ph type="sldNum" sz="quarter" idx="12"/>
+          </p:nvPr>
+        </p:nvSpPr>
+        <p:spPr/>
+        <p:txBody>
+          <a:bodyPr/>
+          <a:lstStyle/>
+          <a:p>
+            <a:fld id="{DBA1B0FB-D917-4C8C-928F-313BD683BF39}" type="slidenum">
+              <a:rPr lang="en-US" smtClean="0"/>
+              <a:t>3</a:t>
+            </a:fld>
+            <a:endParaRPr lang="en-US"/>
+          </a:p>
+        </p:txBody>
+      </p:sp>
+      <p:pic>
+        <p:nvPicPr>
+          <p:cNvPr id="9" name="Picture 8">
+            <a:extLst>
+              <a:ext uri="{FF2B5EF4-FFF2-40B4-BE49-F238E27FC236}">
+                <a16:creationId xmlns:a16="http://schemas.microsoft.com/office/drawing/2014/main" id="{26A8BBB0-E1E0-45D6-8B79-CDC6B444EACA}"/>
+              </a:ext>
+            </a:extLst>
+          </p:cNvPr>
+          <p:cNvPicPr>
+            <a:picLocks noChangeAspect="1"/>
+          </p:cNvPicPr>
+          <p:nvPr/>
+        </p:nvPicPr>
+        <p:blipFill>
+          <a:blip r:embed="rId2"/>
+          <a:stretch>
+            <a:fillRect/>
+          </a:stretch>
+        </p:blipFill>
+        <p:spPr>
+          <a:xfrm rot="21114213">
+            <a:off x="803402" y="613877"/>
+            <a:ext cx="6055882" cy="1901919"/>
+          </a:xfrm>
+          <a:prstGeom prst="rect">
+            <a:avLst/>
+          </a:prstGeom>
+        </p:spPr>
+      </p:pic>
+      <p:pic>
+        <p:nvPicPr>
+          <p:cNvPr id="11" name="Picture 10">
+            <a:extLst>
+              <a:ext uri="{FF2B5EF4-FFF2-40B4-BE49-F238E27FC236}">
+                <a16:creationId xmlns:a16="http://schemas.microsoft.com/office/drawing/2014/main" id="{294C6715-6AB9-42EA-871F-847772DE4C6A}"/>
+              </a:ext>
+            </a:extLst>
+          </p:cNvPr>
+          <p:cNvPicPr>
+            <a:picLocks noChangeAspect="1"/>
+          </p:cNvPicPr>
+          <p:nvPr/>
+        </p:nvPicPr>
+        <p:blipFill>
+          <a:blip r:embed="rId3"/>
+          <a:stretch>
+            <a:fillRect/>
+          </a:stretch>
+        </p:blipFill>
+        <p:spPr>
+          <a:xfrm rot="509659">
+            <a:off x="4025015" y="3022007"/>
+            <a:ext cx="8077900" cy="1806097"/>
+          </a:xfrm>
+          <a:prstGeom prst="rect">
+            <a:avLst/>
+          </a:prstGeom>
+        </p:spPr>
+      </p:pic>
+      <p:pic>
+        <p:nvPicPr>
+          <p:cNvPr id="13" name="Picture 12">
+            <a:extLst>
+              <a:ext uri="{FF2B5EF4-FFF2-40B4-BE49-F238E27FC236}">
+                <a16:creationId xmlns:a16="http://schemas.microsoft.com/office/drawing/2014/main" id="{E201053A-C5DD-413B-815B-20A8E615B530}"/>
+              </a:ext>
+            </a:extLst>
+          </p:cNvPr>
+          <p:cNvPicPr>
+            <a:picLocks noChangeAspect="1"/>
+          </p:cNvPicPr>
+          <p:nvPr/>
+        </p:nvPicPr>
+        <p:blipFill>
+          <a:blip r:embed="rId4"/>
+          <a:stretch>
+            <a:fillRect/>
+          </a:stretch>
+        </p:blipFill>
+        <p:spPr>
+          <a:xfrm rot="21367172">
+            <a:off x="1733216" y="4580528"/>
+            <a:ext cx="7696867" cy="2004234"/>
+          </a:xfrm>
+          <a:prstGeom prst="rect">
+            <a:avLst/>
+          </a:prstGeom>
+        </p:spPr>
+      </p:pic>
+    </p:spTree>
+    <p:extLst>
+      <p:ext uri="{BB962C8B-B14F-4D97-AF65-F5344CB8AC3E}">
+        <p14:creationId xmlns:p14="http://schemas.microsoft.com/office/powerpoint/2010/main" val="1124345873"/>
+      </p:ext>
+    </p:extLst>
+  </p:cSld>
+  <p:clrMapOvr>
+    <a:masterClrMapping/>
+  </p:clrMapOvr>
+</p:sld>
+</file>
+
+<file path=ppt/slides/slide4.xml><?xml version="1.0" encoding="utf-8"?>
+<p:sld xmlns:a="http://schemas.openxmlformats.org/drawingml/2006/main" xmlns:r="http://schemas.openxmlformats.org/officeDocument/2006/relationships" xmlns:p="http://schemas.openxmlformats.org/presentationml/2006/main">
+  <p:cSld>
     <p:bg>
       <p:bgPr>
         <a:solidFill>
@@ -18689,7 +18895,7 @@
                   <a:spcPts val="600"/>
                 </a:spcAft>
               </a:pPr>
-              <a:t>3</a:t>
+              <a:t>4</a:t>
             </a:fld>
             <a:endParaRPr lang="en-US">
               <a:solidFill>
@@ -18714,7 +18920,7 @@
 </p:sld>
 </file>
 
-<file path=ppt/slides/slide4.xml><?xml version="1.0" encoding="utf-8"?>
+<file path=ppt/slides/slide5.xml><?xml version="1.0" encoding="utf-8"?>
 <p:sld xmlns:a="http://schemas.openxmlformats.org/drawingml/2006/main" xmlns:r="http://schemas.openxmlformats.org/officeDocument/2006/relationships" xmlns:p="http://schemas.openxmlformats.org/presentationml/2006/main">
   <p:cSld>
     <p:spTree>
@@ -18890,7 +19096,7 @@
                   <a:spcPts val="600"/>
                 </a:spcAft>
               </a:pPr>
-              <a:t>4</a:t>
+              <a:t>5</a:t>
             </a:fld>
             <a:endParaRPr lang="en-US">
               <a:solidFill>
@@ -18940,7 +19146,7 @@
 </p:sld>
 </file>
 
-<file path=ppt/slides/slide5.xml><?xml version="1.0" encoding="utf-8"?>
+<file path=ppt/slides/slide6.xml><?xml version="1.0" encoding="utf-8"?>
 <p:sld xmlns:a="http://schemas.openxmlformats.org/drawingml/2006/main" xmlns:r="http://schemas.openxmlformats.org/officeDocument/2006/relationships" xmlns:p="http://schemas.openxmlformats.org/presentationml/2006/main">
   <p:cSld>
     <p:spTree>
@@ -19116,7 +19322,7 @@
                   <a:spcPts val="600"/>
                 </a:spcAft>
               </a:pPr>
-              <a:t>5</a:t>
+              <a:t>6</a:t>
             </a:fld>
             <a:endParaRPr lang="en-US">
               <a:solidFill>
@@ -19171,7 +19377,7 @@
 </p:sld>
 </file>
 
-<file path=ppt/slides/slide6.xml><?xml version="1.0" encoding="utf-8"?>
+<file path=ppt/slides/slide7.xml><?xml version="1.0" encoding="utf-8"?>
 <p:sld xmlns:a="http://schemas.openxmlformats.org/drawingml/2006/main" xmlns:r="http://schemas.openxmlformats.org/officeDocument/2006/relationships" xmlns:p="http://schemas.openxmlformats.org/presentationml/2006/main">
   <p:cSld>
     <p:bg>
@@ -20534,7 +20740,7 @@
                   <a:spcPts val="600"/>
                 </a:spcAft>
               </a:pPr>
-              <a:t>6</a:t>
+              <a:t>7</a:t>
             </a:fld>
             <a:endParaRPr lang="en-US">
               <a:solidFill>
@@ -21370,6 +21576,15 @@
 </file>
 
 <file path=customXml/item2.xml><?xml version="1.0" encoding="utf-8"?>
+<?mso-contentType ?>
+<FormTemplates xmlns="http://schemas.microsoft.com/sharepoint/v3/contenttype/forms">
+  <Display>DocumentLibraryForm</Display>
+  <Edit>DocumentLibraryForm</Edit>
+  <New>DocumentLibraryForm</New>
+</FormTemplates>
+</file>
+
+<file path=customXml/item3.xml><?xml version="1.0" encoding="utf-8"?>
 <ct:contentTypeSchema xmlns:ct="http://schemas.microsoft.com/office/2006/metadata/contentType" xmlns:ma="http://schemas.microsoft.com/office/2006/metadata/properties/metaAttributes" ct:_="" ma:_="" ma:contentTypeName="Document" ma:contentTypeID="0x01010079F111ED35F8CC479449609E8A0923A6" ma:contentTypeVersion="18" ma:contentTypeDescription="Create a new document." ma:contentTypeScope="" ma:versionID="22a266b9fa9a230c5a512669d8b298c3">
   <xsd:schema xmlns:xsd="http://www.w3.org/2001/XMLSchema" xmlns:xs="http://www.w3.org/2001/XMLSchema" xmlns:p="http://schemas.microsoft.com/office/2006/metadata/properties" xmlns:ns1="http://schemas.microsoft.com/sharepoint/v3" xmlns:ns2="71af3243-3dd4-4a8d-8c0d-dd76da1f02a5" xmlns:ns3="16c05727-aa75-4e4a-9b5f-8a80a1165891" xmlns:ns4="230e9df3-be65-4c73-a93b-d1236ebd677e" targetNamespace="http://schemas.microsoft.com/office/2006/metadata/properties" ma:root="true" ma:fieldsID="eddc33fff6b14141ee5c74a0d29ea6a1" ns1:_="" ns2:_="" ns3:_="" ns4:_="">
     <xsd:import namespace="http://schemas.microsoft.com/sharepoint/v3"/>
@@ -21645,15 +21860,6 @@
 </ct:contentTypeSchema>
 </file>
 
-<file path=customXml/item3.xml><?xml version="1.0" encoding="utf-8"?>
-<?mso-contentType ?>
-<FormTemplates xmlns="http://schemas.microsoft.com/sharepoint/v3/contenttype/forms">
-  <Display>DocumentLibraryForm</Display>
-  <Edit>DocumentLibraryForm</Edit>
-  <New>DocumentLibraryForm</New>
-</FormTemplates>
-</file>
-
 <file path=customXml/itemProps1.xml><?xml version="1.0" encoding="utf-8"?>
 <ds:datastoreItem xmlns:ds="http://schemas.openxmlformats.org/officeDocument/2006/customXml" ds:itemID="{50811A92-D464-4AC4-A396-BA73B10CEEAC}">
   <ds:schemaRefs>
@@ -21674,6 +21880,14 @@
 </file>
 
 <file path=customXml/itemProps2.xml><?xml version="1.0" encoding="utf-8"?>
+<ds:datastoreItem xmlns:ds="http://schemas.openxmlformats.org/officeDocument/2006/customXml" ds:itemID="{904751AB-E840-446F-8D49-E697067EC887}">
+  <ds:schemaRefs>
+    <ds:schemaRef ds:uri="http://schemas.microsoft.com/sharepoint/v3/contenttype/forms"/>
+  </ds:schemaRefs>
+</ds:datastoreItem>
+</file>
+
+<file path=customXml/itemProps3.xml><?xml version="1.0" encoding="utf-8"?>
 <ds:datastoreItem xmlns:ds="http://schemas.openxmlformats.org/officeDocument/2006/customXml" ds:itemID="{DE4876F9-7AE1-498D-B8FE-1E3AD703D2AF}">
   <ds:schemaRefs>
     <ds:schemaRef ds:uri="http://schemas.microsoft.com/office/2006/metadata/contentType"/>
@@ -21694,14 +21908,6 @@
 </ds:datastoreItem>
 </file>
 
-<file path=customXml/itemProps3.xml><?xml version="1.0" encoding="utf-8"?>
-<ds:datastoreItem xmlns:ds="http://schemas.openxmlformats.org/officeDocument/2006/customXml" ds:itemID="{904751AB-E840-446F-8D49-E697067EC887}">
-  <ds:schemaRefs>
-    <ds:schemaRef ds:uri="http://schemas.microsoft.com/sharepoint/v3/contenttype/forms"/>
-  </ds:schemaRefs>
-</ds:datastoreItem>
-</file>
-
 <file path=docMetadata/LabelInfo.xml><?xml version="1.0" encoding="utf-8"?>
 <clbl:labelList xmlns:clbl="http://schemas.microsoft.com/office/2020/mipLabelMetadata">
   <clbl:label id="{f42aa342-8706-4288-bd11-ebb85995028c}" enabled="1" method="Standard" siteId="{72f988bf-86f1-41af-91ab-2d7cd011db47}" contentBits="0" removed="0"/>

--- a/week_03/day_4/code_of_conduct_in_datascience.pptx
+++ b/week_03/day_4/code_of_conduct_in_datascience.pptx
@@ -17160,8 +17160,16 @@
           <a:lstStyle/>
           <a:p>
             <a:r>
-              <a:rPr lang="en-US"/>
-              <a:t>Tuesday, February 2, 20XX</a:t>
+              <a:rPr lang="en-US" dirty="0"/>
+              <a:t>25</a:t>
+            </a:r>
+            <a:r>
+              <a:rPr lang="en-US" baseline="30000" dirty="0"/>
+              <a:t>th</a:t>
+            </a:r>
+            <a:r>
+              <a:rPr lang="en-US" dirty="0"/>
+              <a:t> March 2022</a:t>
             </a:r>
           </a:p>
         </p:txBody>
@@ -21557,6 +21565,15 @@
 </file>
 
 <file path=customXml/item1.xml><?xml version="1.0" encoding="utf-8"?>
+<?mso-contentType ?>
+<FormTemplates xmlns="http://schemas.microsoft.com/sharepoint/v3/contenttype/forms">
+  <Display>DocumentLibraryForm</Display>
+  <Edit>DocumentLibraryForm</Edit>
+  <New>DocumentLibraryForm</New>
+</FormTemplates>
+</file>
+
+<file path=customXml/item2.xml><?xml version="1.0" encoding="utf-8"?>
 <p:properties xmlns:p="http://schemas.microsoft.com/office/2006/metadata/properties" xmlns:xsi="http://www.w3.org/2001/XMLSchema-instance" xmlns:pc="http://schemas.microsoft.com/office/infopath/2007/PartnerControls">
   <documentManagement>
     <_ip_UnifiedCompliancePolicyUIAction xmlns="http://schemas.microsoft.com/sharepoint/v3" xsi:nil="true"/>
@@ -21573,15 +21590,6 @@
     <MediaServiceKeyPoints xmlns="71af3243-3dd4-4a8d-8c0d-dd76da1f02a5" xsi:nil="true"/>
   </documentManagement>
 </p:properties>
-</file>
-
-<file path=customXml/item2.xml><?xml version="1.0" encoding="utf-8"?>
-<?mso-contentType ?>
-<FormTemplates xmlns="http://schemas.microsoft.com/sharepoint/v3/contenttype/forms">
-  <Display>DocumentLibraryForm</Display>
-  <Edit>DocumentLibraryForm</Edit>
-  <New>DocumentLibraryForm</New>
-</FormTemplates>
 </file>
 
 <file path=customXml/item3.xml><?xml version="1.0" encoding="utf-8"?>
@@ -21861,6 +21869,14 @@
 </file>
 
 <file path=customXml/itemProps1.xml><?xml version="1.0" encoding="utf-8"?>
+<ds:datastoreItem xmlns:ds="http://schemas.openxmlformats.org/officeDocument/2006/customXml" ds:itemID="{904751AB-E840-446F-8D49-E697067EC887}">
+  <ds:schemaRefs>
+    <ds:schemaRef ds:uri="http://schemas.microsoft.com/sharepoint/v3/contenttype/forms"/>
+  </ds:schemaRefs>
+</ds:datastoreItem>
+</file>
+
+<file path=customXml/itemProps2.xml><?xml version="1.0" encoding="utf-8"?>
 <ds:datastoreItem xmlns:ds="http://schemas.openxmlformats.org/officeDocument/2006/customXml" ds:itemID="{50811A92-D464-4AC4-A396-BA73B10CEEAC}">
   <ds:schemaRefs>
     <ds:schemaRef ds:uri="http://www.w3.org/XML/1998/namespace"/>
@@ -21875,14 +21891,6 @@
     <ds:schemaRef ds:uri="16c05727-aa75-4e4a-9b5f-8a80a1165891"/>
     <ds:schemaRef ds:uri="71af3243-3dd4-4a8d-8c0d-dd76da1f02a5"/>
     <ds:schemaRef ds:uri="http://purl.org/dc/elements/1.1/"/>
-  </ds:schemaRefs>
-</ds:datastoreItem>
-</file>
-
-<file path=customXml/itemProps2.xml><?xml version="1.0" encoding="utf-8"?>
-<ds:datastoreItem xmlns:ds="http://schemas.openxmlformats.org/officeDocument/2006/customXml" ds:itemID="{904751AB-E840-446F-8D49-E697067EC887}">
-  <ds:schemaRefs>
-    <ds:schemaRef ds:uri="http://schemas.microsoft.com/sharepoint/v3/contenttype/forms"/>
   </ds:schemaRefs>
 </ds:datastoreItem>
 </file>
